--- a/ppt 16-9/1008.信心更坚强.pptx
+++ b/ppt 16-9/1008.信心更坚强.pptx
@@ -129,7 +129,7 @@
           <p:cNvPr id="2" name="标题 1">
             <a:extLst>
               <a:ext uri="{FF2B5EF4-FFF2-40B4-BE49-F238E27FC236}">
-                <a16:creationId xmlns:a16="http://schemas.microsoft.com/office/drawing/2014/main" id="{1091EA46-078A-8682-E9B3-0057B63DB672}"/>
+                <a16:creationId xmlns:a16="http://schemas.microsoft.com/office/drawing/2014/main" id="{4ED2F9D0-7FAF-ED5C-634E-32189F6A0285}"/>
               </a:ext>
             </a:extLst>
           </p:cNvPr>
@@ -166,7 +166,7 @@
           <p:cNvPr id="3" name="副标题 2">
             <a:extLst>
               <a:ext uri="{FF2B5EF4-FFF2-40B4-BE49-F238E27FC236}">
-                <a16:creationId xmlns:a16="http://schemas.microsoft.com/office/drawing/2014/main" id="{920A4E03-19FF-57F0-4D59-6B3E94428202}"/>
+                <a16:creationId xmlns:a16="http://schemas.microsoft.com/office/drawing/2014/main" id="{69BF76B3-2CD8-F5CC-F6F1-D6DCC36FA42B}"/>
               </a:ext>
             </a:extLst>
           </p:cNvPr>
@@ -236,7 +236,7 @@
           <p:cNvPr id="4" name="日期占位符 3">
             <a:extLst>
               <a:ext uri="{FF2B5EF4-FFF2-40B4-BE49-F238E27FC236}">
-                <a16:creationId xmlns:a16="http://schemas.microsoft.com/office/drawing/2014/main" id="{1CEFC016-931F-9A77-E65E-F469BBD263C5}"/>
+                <a16:creationId xmlns:a16="http://schemas.microsoft.com/office/drawing/2014/main" id="{6BE8420E-9516-2E0F-A08E-C8C2B4F5311B}"/>
               </a:ext>
             </a:extLst>
           </p:cNvPr>
@@ -252,7 +252,7 @@
           <a:bodyPr/>
           <a:lstStyle/>
           <a:p>
-            <a:fld id="{5D62522F-C5BF-461A-9B58-EBFAEFB75CC1}" type="datetimeFigureOut">
+            <a:fld id="{734EA5CE-C82C-4EEF-B187-12AB229C9741}" type="datetimeFigureOut">
               <a:rPr lang="zh-CN" altLang="en-US" smtClean="0"/>
               <a:t>2024/3/10</a:t>
             </a:fld>
@@ -265,7 +265,7 @@
           <p:cNvPr id="5" name="页脚占位符 4">
             <a:extLst>
               <a:ext uri="{FF2B5EF4-FFF2-40B4-BE49-F238E27FC236}">
-                <a16:creationId xmlns:a16="http://schemas.microsoft.com/office/drawing/2014/main" id="{4E4F74EA-B375-537B-8945-80BEE7EE747E}"/>
+                <a16:creationId xmlns:a16="http://schemas.microsoft.com/office/drawing/2014/main" id="{78B9F439-1347-0D63-F576-8B9AB49F7506}"/>
               </a:ext>
             </a:extLst>
           </p:cNvPr>
@@ -290,7 +290,7 @@
           <p:cNvPr id="6" name="灯片编号占位符 5">
             <a:extLst>
               <a:ext uri="{FF2B5EF4-FFF2-40B4-BE49-F238E27FC236}">
-                <a16:creationId xmlns:a16="http://schemas.microsoft.com/office/drawing/2014/main" id="{C345C38A-3D15-44F2-F465-B97B8F5683BC}"/>
+                <a16:creationId xmlns:a16="http://schemas.microsoft.com/office/drawing/2014/main" id="{0A841EDC-EB73-7853-8184-8C98FD215F27}"/>
               </a:ext>
             </a:extLst>
           </p:cNvPr>
@@ -306,7 +306,7 @@
           <a:bodyPr/>
           <a:lstStyle/>
           <a:p>
-            <a:fld id="{9B877424-A6C8-4BFC-AF91-ADBE8602734C}" type="slidenum">
+            <a:fld id="{16E1B09A-0D13-4F11-B6DB-1B5BCF7FD3AE}" type="slidenum">
               <a:rPr lang="zh-CN" altLang="en-US" smtClean="0"/>
               <a:t>‹#›</a:t>
             </a:fld>
@@ -317,7 +317,7 @@
     </p:spTree>
     <p:extLst>
       <p:ext uri="{BB962C8B-B14F-4D97-AF65-F5344CB8AC3E}">
-        <p14:creationId xmlns:p14="http://schemas.microsoft.com/office/powerpoint/2010/main" val="900687840"/>
+        <p14:creationId xmlns:p14="http://schemas.microsoft.com/office/powerpoint/2010/main" val="2350615560"/>
       </p:ext>
     </p:extLst>
   </p:cSld>
@@ -349,7 +349,7 @@
           <p:cNvPr id="2" name="标题 1">
             <a:extLst>
               <a:ext uri="{FF2B5EF4-FFF2-40B4-BE49-F238E27FC236}">
-                <a16:creationId xmlns:a16="http://schemas.microsoft.com/office/drawing/2014/main" id="{D0AFDE42-6FE2-B819-1BD9-58BEEA864A67}"/>
+                <a16:creationId xmlns:a16="http://schemas.microsoft.com/office/drawing/2014/main" id="{9066615E-4A34-6A75-2314-5F0AB28EFC4F}"/>
               </a:ext>
             </a:extLst>
           </p:cNvPr>
@@ -377,7 +377,7 @@
           <p:cNvPr id="3" name="竖排文字占位符 2">
             <a:extLst>
               <a:ext uri="{FF2B5EF4-FFF2-40B4-BE49-F238E27FC236}">
-                <a16:creationId xmlns:a16="http://schemas.microsoft.com/office/drawing/2014/main" id="{2C6D0617-FCBE-CA01-B1A9-DF700F4B48A6}"/>
+                <a16:creationId xmlns:a16="http://schemas.microsoft.com/office/drawing/2014/main" id="{9C79DC07-0A7E-EA59-EBB0-947641D2B281}"/>
               </a:ext>
             </a:extLst>
           </p:cNvPr>
@@ -434,7 +434,7 @@
           <p:cNvPr id="4" name="日期占位符 3">
             <a:extLst>
               <a:ext uri="{FF2B5EF4-FFF2-40B4-BE49-F238E27FC236}">
-                <a16:creationId xmlns:a16="http://schemas.microsoft.com/office/drawing/2014/main" id="{6A082EB4-DD74-EC5E-BA17-61B99765FF89}"/>
+                <a16:creationId xmlns:a16="http://schemas.microsoft.com/office/drawing/2014/main" id="{270E20BD-0BF3-1959-F5A6-A8A26F92E9B9}"/>
               </a:ext>
             </a:extLst>
           </p:cNvPr>
@@ -450,7 +450,7 @@
           <a:bodyPr/>
           <a:lstStyle/>
           <a:p>
-            <a:fld id="{5D62522F-C5BF-461A-9B58-EBFAEFB75CC1}" type="datetimeFigureOut">
+            <a:fld id="{734EA5CE-C82C-4EEF-B187-12AB229C9741}" type="datetimeFigureOut">
               <a:rPr lang="zh-CN" altLang="en-US" smtClean="0"/>
               <a:t>2024/3/10</a:t>
             </a:fld>
@@ -463,7 +463,7 @@
           <p:cNvPr id="5" name="页脚占位符 4">
             <a:extLst>
               <a:ext uri="{FF2B5EF4-FFF2-40B4-BE49-F238E27FC236}">
-                <a16:creationId xmlns:a16="http://schemas.microsoft.com/office/drawing/2014/main" id="{BF2CE8B9-196F-8B50-D0A1-362D6F4B36C5}"/>
+                <a16:creationId xmlns:a16="http://schemas.microsoft.com/office/drawing/2014/main" id="{DD90AFED-ABD9-3DF8-FEB0-508697EB681C}"/>
               </a:ext>
             </a:extLst>
           </p:cNvPr>
@@ -488,7 +488,7 @@
           <p:cNvPr id="6" name="灯片编号占位符 5">
             <a:extLst>
               <a:ext uri="{FF2B5EF4-FFF2-40B4-BE49-F238E27FC236}">
-                <a16:creationId xmlns:a16="http://schemas.microsoft.com/office/drawing/2014/main" id="{1B380E59-8414-E72A-5B75-20CCD3BE1D0B}"/>
+                <a16:creationId xmlns:a16="http://schemas.microsoft.com/office/drawing/2014/main" id="{31FC22F4-FD60-A30F-12C0-6EBC5C32EB3D}"/>
               </a:ext>
             </a:extLst>
           </p:cNvPr>
@@ -504,7 +504,7 @@
           <a:bodyPr/>
           <a:lstStyle/>
           <a:p>
-            <a:fld id="{9B877424-A6C8-4BFC-AF91-ADBE8602734C}" type="slidenum">
+            <a:fld id="{16E1B09A-0D13-4F11-B6DB-1B5BCF7FD3AE}" type="slidenum">
               <a:rPr lang="zh-CN" altLang="en-US" smtClean="0"/>
               <a:t>‹#›</a:t>
             </a:fld>
@@ -515,7 +515,7 @@
     </p:spTree>
     <p:extLst>
       <p:ext uri="{BB962C8B-B14F-4D97-AF65-F5344CB8AC3E}">
-        <p14:creationId xmlns:p14="http://schemas.microsoft.com/office/powerpoint/2010/main" val="3071924322"/>
+        <p14:creationId xmlns:p14="http://schemas.microsoft.com/office/powerpoint/2010/main" val="3920960908"/>
       </p:ext>
     </p:extLst>
   </p:cSld>
@@ -547,7 +547,7 @@
           <p:cNvPr id="2" name="竖排标题 1">
             <a:extLst>
               <a:ext uri="{FF2B5EF4-FFF2-40B4-BE49-F238E27FC236}">
-                <a16:creationId xmlns:a16="http://schemas.microsoft.com/office/drawing/2014/main" id="{5F099962-11CB-1AC0-B003-5AD60A648AEF}"/>
+                <a16:creationId xmlns:a16="http://schemas.microsoft.com/office/drawing/2014/main" id="{DD87034B-7A73-A834-49B7-E9543DCC18A5}"/>
               </a:ext>
             </a:extLst>
           </p:cNvPr>
@@ -580,7 +580,7 @@
           <p:cNvPr id="3" name="竖排文字占位符 2">
             <a:extLst>
               <a:ext uri="{FF2B5EF4-FFF2-40B4-BE49-F238E27FC236}">
-                <a16:creationId xmlns:a16="http://schemas.microsoft.com/office/drawing/2014/main" id="{AC41ECF7-3897-6871-0D79-035241218D2B}"/>
+                <a16:creationId xmlns:a16="http://schemas.microsoft.com/office/drawing/2014/main" id="{4B4E07AE-E302-6F40-3D4A-EB5833729072}"/>
               </a:ext>
             </a:extLst>
           </p:cNvPr>
@@ -642,7 +642,7 @@
           <p:cNvPr id="4" name="日期占位符 3">
             <a:extLst>
               <a:ext uri="{FF2B5EF4-FFF2-40B4-BE49-F238E27FC236}">
-                <a16:creationId xmlns:a16="http://schemas.microsoft.com/office/drawing/2014/main" id="{1F65DF49-3416-3AAE-442F-CC0F491A3C81}"/>
+                <a16:creationId xmlns:a16="http://schemas.microsoft.com/office/drawing/2014/main" id="{DA853DE9-0794-D907-CF56-BA7CA494FF82}"/>
               </a:ext>
             </a:extLst>
           </p:cNvPr>
@@ -658,7 +658,7 @@
           <a:bodyPr/>
           <a:lstStyle/>
           <a:p>
-            <a:fld id="{5D62522F-C5BF-461A-9B58-EBFAEFB75CC1}" type="datetimeFigureOut">
+            <a:fld id="{734EA5CE-C82C-4EEF-B187-12AB229C9741}" type="datetimeFigureOut">
               <a:rPr lang="zh-CN" altLang="en-US" smtClean="0"/>
               <a:t>2024/3/10</a:t>
             </a:fld>
@@ -671,7 +671,7 @@
           <p:cNvPr id="5" name="页脚占位符 4">
             <a:extLst>
               <a:ext uri="{FF2B5EF4-FFF2-40B4-BE49-F238E27FC236}">
-                <a16:creationId xmlns:a16="http://schemas.microsoft.com/office/drawing/2014/main" id="{68CC70F3-BFC2-4000-DD76-405D750EAB6D}"/>
+                <a16:creationId xmlns:a16="http://schemas.microsoft.com/office/drawing/2014/main" id="{807201A4-4575-3524-C983-B136D1EFBDF9}"/>
               </a:ext>
             </a:extLst>
           </p:cNvPr>
@@ -696,7 +696,7 @@
           <p:cNvPr id="6" name="灯片编号占位符 5">
             <a:extLst>
               <a:ext uri="{FF2B5EF4-FFF2-40B4-BE49-F238E27FC236}">
-                <a16:creationId xmlns:a16="http://schemas.microsoft.com/office/drawing/2014/main" id="{692573BB-263B-C6FF-6B02-1AA425B399F0}"/>
+                <a16:creationId xmlns:a16="http://schemas.microsoft.com/office/drawing/2014/main" id="{87B2FAE2-08AB-95DF-FF7E-60BE7803E77E}"/>
               </a:ext>
             </a:extLst>
           </p:cNvPr>
@@ -712,7 +712,7 @@
           <a:bodyPr/>
           <a:lstStyle/>
           <a:p>
-            <a:fld id="{9B877424-A6C8-4BFC-AF91-ADBE8602734C}" type="slidenum">
+            <a:fld id="{16E1B09A-0D13-4F11-B6DB-1B5BCF7FD3AE}" type="slidenum">
               <a:rPr lang="zh-CN" altLang="en-US" smtClean="0"/>
               <a:t>‹#›</a:t>
             </a:fld>
@@ -723,7 +723,7 @@
     </p:spTree>
     <p:extLst>
       <p:ext uri="{BB962C8B-B14F-4D97-AF65-F5344CB8AC3E}">
-        <p14:creationId xmlns:p14="http://schemas.microsoft.com/office/powerpoint/2010/main" val="801669497"/>
+        <p14:creationId xmlns:p14="http://schemas.microsoft.com/office/powerpoint/2010/main" val="1519800797"/>
       </p:ext>
     </p:extLst>
   </p:cSld>
@@ -755,7 +755,7 @@
           <p:cNvPr id="2" name="标题 1">
             <a:extLst>
               <a:ext uri="{FF2B5EF4-FFF2-40B4-BE49-F238E27FC236}">
-                <a16:creationId xmlns:a16="http://schemas.microsoft.com/office/drawing/2014/main" id="{A8ED3970-CBBE-8B3C-5FEF-4A85A796CF4D}"/>
+                <a16:creationId xmlns:a16="http://schemas.microsoft.com/office/drawing/2014/main" id="{C83BE224-BA0C-5A35-3A37-2D9B451333E4}"/>
               </a:ext>
             </a:extLst>
           </p:cNvPr>
@@ -783,7 +783,7 @@
           <p:cNvPr id="3" name="内容占位符 2">
             <a:extLst>
               <a:ext uri="{FF2B5EF4-FFF2-40B4-BE49-F238E27FC236}">
-                <a16:creationId xmlns:a16="http://schemas.microsoft.com/office/drawing/2014/main" id="{5B11B9A6-331E-5585-7253-838744F87004}"/>
+                <a16:creationId xmlns:a16="http://schemas.microsoft.com/office/drawing/2014/main" id="{7636278A-29C1-DDCA-20EA-8B5025269819}"/>
               </a:ext>
             </a:extLst>
           </p:cNvPr>
@@ -840,7 +840,7 @@
           <p:cNvPr id="4" name="日期占位符 3">
             <a:extLst>
               <a:ext uri="{FF2B5EF4-FFF2-40B4-BE49-F238E27FC236}">
-                <a16:creationId xmlns:a16="http://schemas.microsoft.com/office/drawing/2014/main" id="{33EDAFA2-77FC-8EA4-D276-BFB738FB5F44}"/>
+                <a16:creationId xmlns:a16="http://schemas.microsoft.com/office/drawing/2014/main" id="{9ABDD0C3-3F0C-F9D6-E8F6-BF8458088782}"/>
               </a:ext>
             </a:extLst>
           </p:cNvPr>
@@ -856,7 +856,7 @@
           <a:bodyPr/>
           <a:lstStyle/>
           <a:p>
-            <a:fld id="{5D62522F-C5BF-461A-9B58-EBFAEFB75CC1}" type="datetimeFigureOut">
+            <a:fld id="{734EA5CE-C82C-4EEF-B187-12AB229C9741}" type="datetimeFigureOut">
               <a:rPr lang="zh-CN" altLang="en-US" smtClean="0"/>
               <a:t>2024/3/10</a:t>
             </a:fld>
@@ -869,7 +869,7 @@
           <p:cNvPr id="5" name="页脚占位符 4">
             <a:extLst>
               <a:ext uri="{FF2B5EF4-FFF2-40B4-BE49-F238E27FC236}">
-                <a16:creationId xmlns:a16="http://schemas.microsoft.com/office/drawing/2014/main" id="{9A17FD87-AA40-46B3-8F53-45064B25F557}"/>
+                <a16:creationId xmlns:a16="http://schemas.microsoft.com/office/drawing/2014/main" id="{46F18E11-1908-1C69-8F6F-822E53D636C4}"/>
               </a:ext>
             </a:extLst>
           </p:cNvPr>
@@ -894,7 +894,7 @@
           <p:cNvPr id="6" name="灯片编号占位符 5">
             <a:extLst>
               <a:ext uri="{FF2B5EF4-FFF2-40B4-BE49-F238E27FC236}">
-                <a16:creationId xmlns:a16="http://schemas.microsoft.com/office/drawing/2014/main" id="{859F5D53-9F02-6D45-124C-979DD2D00BD6}"/>
+                <a16:creationId xmlns:a16="http://schemas.microsoft.com/office/drawing/2014/main" id="{9EBECB72-2CBD-6E68-FC67-2EF3692D6541}"/>
               </a:ext>
             </a:extLst>
           </p:cNvPr>
@@ -910,7 +910,7 @@
           <a:bodyPr/>
           <a:lstStyle/>
           <a:p>
-            <a:fld id="{9B877424-A6C8-4BFC-AF91-ADBE8602734C}" type="slidenum">
+            <a:fld id="{16E1B09A-0D13-4F11-B6DB-1B5BCF7FD3AE}" type="slidenum">
               <a:rPr lang="zh-CN" altLang="en-US" smtClean="0"/>
               <a:t>‹#›</a:t>
             </a:fld>
@@ -921,7 +921,7 @@
     </p:spTree>
     <p:extLst>
       <p:ext uri="{BB962C8B-B14F-4D97-AF65-F5344CB8AC3E}">
-        <p14:creationId xmlns:p14="http://schemas.microsoft.com/office/powerpoint/2010/main" val="252170822"/>
+        <p14:creationId xmlns:p14="http://schemas.microsoft.com/office/powerpoint/2010/main" val="762456938"/>
       </p:ext>
     </p:extLst>
   </p:cSld>
@@ -953,7 +953,7 @@
           <p:cNvPr id="2" name="标题 1">
             <a:extLst>
               <a:ext uri="{FF2B5EF4-FFF2-40B4-BE49-F238E27FC236}">
-                <a16:creationId xmlns:a16="http://schemas.microsoft.com/office/drawing/2014/main" id="{0514BF1A-4FDA-59E5-2111-EC9475BA54D0}"/>
+                <a16:creationId xmlns:a16="http://schemas.microsoft.com/office/drawing/2014/main" id="{B136EF69-9750-8750-D12F-F008A137CD9D}"/>
               </a:ext>
             </a:extLst>
           </p:cNvPr>
@@ -990,7 +990,7 @@
           <p:cNvPr id="3" name="文本占位符 2">
             <a:extLst>
               <a:ext uri="{FF2B5EF4-FFF2-40B4-BE49-F238E27FC236}">
-                <a16:creationId xmlns:a16="http://schemas.microsoft.com/office/drawing/2014/main" id="{467E41DF-F3DC-633B-0C6B-643629453D3C}"/>
+                <a16:creationId xmlns:a16="http://schemas.microsoft.com/office/drawing/2014/main" id="{2C876F52-FC8D-6C08-487E-F08B44953B15}"/>
               </a:ext>
             </a:extLst>
           </p:cNvPr>
@@ -1115,7 +1115,7 @@
           <p:cNvPr id="4" name="日期占位符 3">
             <a:extLst>
               <a:ext uri="{FF2B5EF4-FFF2-40B4-BE49-F238E27FC236}">
-                <a16:creationId xmlns:a16="http://schemas.microsoft.com/office/drawing/2014/main" id="{DFFF76C1-CB4C-702C-6C5B-9EB79F5E9540}"/>
+                <a16:creationId xmlns:a16="http://schemas.microsoft.com/office/drawing/2014/main" id="{8C624B30-61A7-CBBB-AA2E-85B5FC838CD9}"/>
               </a:ext>
             </a:extLst>
           </p:cNvPr>
@@ -1131,7 +1131,7 @@
           <a:bodyPr/>
           <a:lstStyle/>
           <a:p>
-            <a:fld id="{5D62522F-C5BF-461A-9B58-EBFAEFB75CC1}" type="datetimeFigureOut">
+            <a:fld id="{734EA5CE-C82C-4EEF-B187-12AB229C9741}" type="datetimeFigureOut">
               <a:rPr lang="zh-CN" altLang="en-US" smtClean="0"/>
               <a:t>2024/3/10</a:t>
             </a:fld>
@@ -1144,7 +1144,7 @@
           <p:cNvPr id="5" name="页脚占位符 4">
             <a:extLst>
               <a:ext uri="{FF2B5EF4-FFF2-40B4-BE49-F238E27FC236}">
-                <a16:creationId xmlns:a16="http://schemas.microsoft.com/office/drawing/2014/main" id="{EBF9ADEB-F9E8-A959-30F6-1C8C92B9CF58}"/>
+                <a16:creationId xmlns:a16="http://schemas.microsoft.com/office/drawing/2014/main" id="{6FB733F1-E13B-FFFC-F087-CB803F6177CC}"/>
               </a:ext>
             </a:extLst>
           </p:cNvPr>
@@ -1169,7 +1169,7 @@
           <p:cNvPr id="6" name="灯片编号占位符 5">
             <a:extLst>
               <a:ext uri="{FF2B5EF4-FFF2-40B4-BE49-F238E27FC236}">
-                <a16:creationId xmlns:a16="http://schemas.microsoft.com/office/drawing/2014/main" id="{30D11F63-3DD2-1775-105C-C6756E81EE14}"/>
+                <a16:creationId xmlns:a16="http://schemas.microsoft.com/office/drawing/2014/main" id="{6487662A-BE15-43EA-1C1A-C2F781419C48}"/>
               </a:ext>
             </a:extLst>
           </p:cNvPr>
@@ -1185,7 +1185,7 @@
           <a:bodyPr/>
           <a:lstStyle/>
           <a:p>
-            <a:fld id="{9B877424-A6C8-4BFC-AF91-ADBE8602734C}" type="slidenum">
+            <a:fld id="{16E1B09A-0D13-4F11-B6DB-1B5BCF7FD3AE}" type="slidenum">
               <a:rPr lang="zh-CN" altLang="en-US" smtClean="0"/>
               <a:t>‹#›</a:t>
             </a:fld>
@@ -1196,7 +1196,7 @@
     </p:spTree>
     <p:extLst>
       <p:ext uri="{BB962C8B-B14F-4D97-AF65-F5344CB8AC3E}">
-        <p14:creationId xmlns:p14="http://schemas.microsoft.com/office/powerpoint/2010/main" val="418875154"/>
+        <p14:creationId xmlns:p14="http://schemas.microsoft.com/office/powerpoint/2010/main" val="4140345060"/>
       </p:ext>
     </p:extLst>
   </p:cSld>
@@ -1228,7 +1228,7 @@
           <p:cNvPr id="2" name="标题 1">
             <a:extLst>
               <a:ext uri="{FF2B5EF4-FFF2-40B4-BE49-F238E27FC236}">
-                <a16:creationId xmlns:a16="http://schemas.microsoft.com/office/drawing/2014/main" id="{622ACB65-3B32-55AE-AE4D-69A05E422CC0}"/>
+                <a16:creationId xmlns:a16="http://schemas.microsoft.com/office/drawing/2014/main" id="{D6D9EF2F-1CAF-13F4-CBB6-90CF1C08AFEF}"/>
               </a:ext>
             </a:extLst>
           </p:cNvPr>
@@ -1256,7 +1256,7 @@
           <p:cNvPr id="3" name="内容占位符 2">
             <a:extLst>
               <a:ext uri="{FF2B5EF4-FFF2-40B4-BE49-F238E27FC236}">
-                <a16:creationId xmlns:a16="http://schemas.microsoft.com/office/drawing/2014/main" id="{067436C4-2151-D095-29E7-145E670C29BA}"/>
+                <a16:creationId xmlns:a16="http://schemas.microsoft.com/office/drawing/2014/main" id="{47F3679E-166A-979E-1093-087717E2F73F}"/>
               </a:ext>
             </a:extLst>
           </p:cNvPr>
@@ -1318,7 +1318,7 @@
           <p:cNvPr id="4" name="内容占位符 3">
             <a:extLst>
               <a:ext uri="{FF2B5EF4-FFF2-40B4-BE49-F238E27FC236}">
-                <a16:creationId xmlns:a16="http://schemas.microsoft.com/office/drawing/2014/main" id="{BD83E527-F323-8E5D-4D7C-DB9E48600458}"/>
+                <a16:creationId xmlns:a16="http://schemas.microsoft.com/office/drawing/2014/main" id="{DC6F27E5-7E15-96F6-E340-6B4EBC9BF969}"/>
               </a:ext>
             </a:extLst>
           </p:cNvPr>
@@ -1380,7 +1380,7 @@
           <p:cNvPr id="5" name="日期占位符 4">
             <a:extLst>
               <a:ext uri="{FF2B5EF4-FFF2-40B4-BE49-F238E27FC236}">
-                <a16:creationId xmlns:a16="http://schemas.microsoft.com/office/drawing/2014/main" id="{A6904C22-7F40-CC97-CAA9-867E5DF54537}"/>
+                <a16:creationId xmlns:a16="http://schemas.microsoft.com/office/drawing/2014/main" id="{2F3EE599-657C-C581-20D6-63C005B9871A}"/>
               </a:ext>
             </a:extLst>
           </p:cNvPr>
@@ -1396,7 +1396,7 @@
           <a:bodyPr/>
           <a:lstStyle/>
           <a:p>
-            <a:fld id="{5D62522F-C5BF-461A-9B58-EBFAEFB75CC1}" type="datetimeFigureOut">
+            <a:fld id="{734EA5CE-C82C-4EEF-B187-12AB229C9741}" type="datetimeFigureOut">
               <a:rPr lang="zh-CN" altLang="en-US" smtClean="0"/>
               <a:t>2024/3/10</a:t>
             </a:fld>
@@ -1409,7 +1409,7 @@
           <p:cNvPr id="6" name="页脚占位符 5">
             <a:extLst>
               <a:ext uri="{FF2B5EF4-FFF2-40B4-BE49-F238E27FC236}">
-                <a16:creationId xmlns:a16="http://schemas.microsoft.com/office/drawing/2014/main" id="{D3AA8E3C-4E39-7357-7457-AB0013559721}"/>
+                <a16:creationId xmlns:a16="http://schemas.microsoft.com/office/drawing/2014/main" id="{D6B96FC1-A88E-9809-58D6-1EE4A0BC831A}"/>
               </a:ext>
             </a:extLst>
           </p:cNvPr>
@@ -1434,7 +1434,7 @@
           <p:cNvPr id="7" name="灯片编号占位符 6">
             <a:extLst>
               <a:ext uri="{FF2B5EF4-FFF2-40B4-BE49-F238E27FC236}">
-                <a16:creationId xmlns:a16="http://schemas.microsoft.com/office/drawing/2014/main" id="{EA3FAFBB-05CC-C76F-5652-A056A13905F1}"/>
+                <a16:creationId xmlns:a16="http://schemas.microsoft.com/office/drawing/2014/main" id="{9C6AF71C-358F-39F9-5F99-AD4203CA20B5}"/>
               </a:ext>
             </a:extLst>
           </p:cNvPr>
@@ -1450,7 +1450,7 @@
           <a:bodyPr/>
           <a:lstStyle/>
           <a:p>
-            <a:fld id="{9B877424-A6C8-4BFC-AF91-ADBE8602734C}" type="slidenum">
+            <a:fld id="{16E1B09A-0D13-4F11-B6DB-1B5BCF7FD3AE}" type="slidenum">
               <a:rPr lang="zh-CN" altLang="en-US" smtClean="0"/>
               <a:t>‹#›</a:t>
             </a:fld>
@@ -1461,7 +1461,7 @@
     </p:spTree>
     <p:extLst>
       <p:ext uri="{BB962C8B-B14F-4D97-AF65-F5344CB8AC3E}">
-        <p14:creationId xmlns:p14="http://schemas.microsoft.com/office/powerpoint/2010/main" val="1136077674"/>
+        <p14:creationId xmlns:p14="http://schemas.microsoft.com/office/powerpoint/2010/main" val="2337547331"/>
       </p:ext>
     </p:extLst>
   </p:cSld>
@@ -1493,7 +1493,7 @@
           <p:cNvPr id="2" name="标题 1">
             <a:extLst>
               <a:ext uri="{FF2B5EF4-FFF2-40B4-BE49-F238E27FC236}">
-                <a16:creationId xmlns:a16="http://schemas.microsoft.com/office/drawing/2014/main" id="{F30C892D-35C7-6ACD-82D7-A597239F0B64}"/>
+                <a16:creationId xmlns:a16="http://schemas.microsoft.com/office/drawing/2014/main" id="{737DF121-8441-5B14-FA1C-70442102963A}"/>
               </a:ext>
             </a:extLst>
           </p:cNvPr>
@@ -1526,7 +1526,7 @@
           <p:cNvPr id="3" name="文本占位符 2">
             <a:extLst>
               <a:ext uri="{FF2B5EF4-FFF2-40B4-BE49-F238E27FC236}">
-                <a16:creationId xmlns:a16="http://schemas.microsoft.com/office/drawing/2014/main" id="{D3E08CA5-038F-AC5F-F5AC-747E44B92470}"/>
+                <a16:creationId xmlns:a16="http://schemas.microsoft.com/office/drawing/2014/main" id="{4E33FDE8-4368-22AA-BDFF-E4523E24CFDD}"/>
               </a:ext>
             </a:extLst>
           </p:cNvPr>
@@ -1597,7 +1597,7 @@
           <p:cNvPr id="4" name="内容占位符 3">
             <a:extLst>
               <a:ext uri="{FF2B5EF4-FFF2-40B4-BE49-F238E27FC236}">
-                <a16:creationId xmlns:a16="http://schemas.microsoft.com/office/drawing/2014/main" id="{4B0FDE54-8203-8FE6-8C4C-7F20C31543AF}"/>
+                <a16:creationId xmlns:a16="http://schemas.microsoft.com/office/drawing/2014/main" id="{DA0CC3F3-3F58-0177-C1F0-3CAE0950AFDC}"/>
               </a:ext>
             </a:extLst>
           </p:cNvPr>
@@ -1659,7 +1659,7 @@
           <p:cNvPr id="5" name="文本占位符 4">
             <a:extLst>
               <a:ext uri="{FF2B5EF4-FFF2-40B4-BE49-F238E27FC236}">
-                <a16:creationId xmlns:a16="http://schemas.microsoft.com/office/drawing/2014/main" id="{83622D34-DD8D-1138-A795-D7D9B28E1A8A}"/>
+                <a16:creationId xmlns:a16="http://schemas.microsoft.com/office/drawing/2014/main" id="{852042CE-D909-2417-E4B6-AEBB5CAF789C}"/>
               </a:ext>
             </a:extLst>
           </p:cNvPr>
@@ -1730,7 +1730,7 @@
           <p:cNvPr id="6" name="内容占位符 5">
             <a:extLst>
               <a:ext uri="{FF2B5EF4-FFF2-40B4-BE49-F238E27FC236}">
-                <a16:creationId xmlns:a16="http://schemas.microsoft.com/office/drawing/2014/main" id="{68DEA87A-55F6-86FA-8C64-605E23E1447F}"/>
+                <a16:creationId xmlns:a16="http://schemas.microsoft.com/office/drawing/2014/main" id="{F3681C32-DCA8-EE4B-3FB1-C03E172E4415}"/>
               </a:ext>
             </a:extLst>
           </p:cNvPr>
@@ -1792,7 +1792,7 @@
           <p:cNvPr id="7" name="日期占位符 6">
             <a:extLst>
               <a:ext uri="{FF2B5EF4-FFF2-40B4-BE49-F238E27FC236}">
-                <a16:creationId xmlns:a16="http://schemas.microsoft.com/office/drawing/2014/main" id="{49934765-3984-CD45-1D75-3F49B7DBBFD0}"/>
+                <a16:creationId xmlns:a16="http://schemas.microsoft.com/office/drawing/2014/main" id="{D8941FF9-271E-51ED-21C1-FEE98C81B10B}"/>
               </a:ext>
             </a:extLst>
           </p:cNvPr>
@@ -1808,7 +1808,7 @@
           <a:bodyPr/>
           <a:lstStyle/>
           <a:p>
-            <a:fld id="{5D62522F-C5BF-461A-9B58-EBFAEFB75CC1}" type="datetimeFigureOut">
+            <a:fld id="{734EA5CE-C82C-4EEF-B187-12AB229C9741}" type="datetimeFigureOut">
               <a:rPr lang="zh-CN" altLang="en-US" smtClean="0"/>
               <a:t>2024/3/10</a:t>
             </a:fld>
@@ -1821,7 +1821,7 @@
           <p:cNvPr id="8" name="页脚占位符 7">
             <a:extLst>
               <a:ext uri="{FF2B5EF4-FFF2-40B4-BE49-F238E27FC236}">
-                <a16:creationId xmlns:a16="http://schemas.microsoft.com/office/drawing/2014/main" id="{2E41B595-618E-43A7-B770-BE737661EA96}"/>
+                <a16:creationId xmlns:a16="http://schemas.microsoft.com/office/drawing/2014/main" id="{51DACBCB-00D7-8E08-D4D1-DE1161BE2CA4}"/>
               </a:ext>
             </a:extLst>
           </p:cNvPr>
@@ -1846,7 +1846,7 @@
           <p:cNvPr id="9" name="灯片编号占位符 8">
             <a:extLst>
               <a:ext uri="{FF2B5EF4-FFF2-40B4-BE49-F238E27FC236}">
-                <a16:creationId xmlns:a16="http://schemas.microsoft.com/office/drawing/2014/main" id="{DC53E7EC-E1FB-B9A7-FED6-69B942FA714B}"/>
+                <a16:creationId xmlns:a16="http://schemas.microsoft.com/office/drawing/2014/main" id="{068CCF2A-3EFF-4447-D297-809900E0F080}"/>
               </a:ext>
             </a:extLst>
           </p:cNvPr>
@@ -1862,7 +1862,7 @@
           <a:bodyPr/>
           <a:lstStyle/>
           <a:p>
-            <a:fld id="{9B877424-A6C8-4BFC-AF91-ADBE8602734C}" type="slidenum">
+            <a:fld id="{16E1B09A-0D13-4F11-B6DB-1B5BCF7FD3AE}" type="slidenum">
               <a:rPr lang="zh-CN" altLang="en-US" smtClean="0"/>
               <a:t>‹#›</a:t>
             </a:fld>
@@ -1873,7 +1873,7 @@
     </p:spTree>
     <p:extLst>
       <p:ext uri="{BB962C8B-B14F-4D97-AF65-F5344CB8AC3E}">
-        <p14:creationId xmlns:p14="http://schemas.microsoft.com/office/powerpoint/2010/main" val="2063205998"/>
+        <p14:creationId xmlns:p14="http://schemas.microsoft.com/office/powerpoint/2010/main" val="2190419334"/>
       </p:ext>
     </p:extLst>
   </p:cSld>
@@ -1905,7 +1905,7 @@
           <p:cNvPr id="2" name="标题 1">
             <a:extLst>
               <a:ext uri="{FF2B5EF4-FFF2-40B4-BE49-F238E27FC236}">
-                <a16:creationId xmlns:a16="http://schemas.microsoft.com/office/drawing/2014/main" id="{6819178A-E4DD-2E4F-7007-3193C91A695A}"/>
+                <a16:creationId xmlns:a16="http://schemas.microsoft.com/office/drawing/2014/main" id="{C9F320D6-8DF3-74CA-F968-CAB59BC509B3}"/>
               </a:ext>
             </a:extLst>
           </p:cNvPr>
@@ -1933,7 +1933,7 @@
           <p:cNvPr id="3" name="日期占位符 2">
             <a:extLst>
               <a:ext uri="{FF2B5EF4-FFF2-40B4-BE49-F238E27FC236}">
-                <a16:creationId xmlns:a16="http://schemas.microsoft.com/office/drawing/2014/main" id="{9F1DAF79-242A-598E-72A2-CAFAE93C4766}"/>
+                <a16:creationId xmlns:a16="http://schemas.microsoft.com/office/drawing/2014/main" id="{C31C8A83-BB9E-AFDA-C838-6B9B68F581CA}"/>
               </a:ext>
             </a:extLst>
           </p:cNvPr>
@@ -1949,7 +1949,7 @@
           <a:bodyPr/>
           <a:lstStyle/>
           <a:p>
-            <a:fld id="{5D62522F-C5BF-461A-9B58-EBFAEFB75CC1}" type="datetimeFigureOut">
+            <a:fld id="{734EA5CE-C82C-4EEF-B187-12AB229C9741}" type="datetimeFigureOut">
               <a:rPr lang="zh-CN" altLang="en-US" smtClean="0"/>
               <a:t>2024/3/10</a:t>
             </a:fld>
@@ -1962,7 +1962,7 @@
           <p:cNvPr id="4" name="页脚占位符 3">
             <a:extLst>
               <a:ext uri="{FF2B5EF4-FFF2-40B4-BE49-F238E27FC236}">
-                <a16:creationId xmlns:a16="http://schemas.microsoft.com/office/drawing/2014/main" id="{79C35288-6FB9-B781-F99F-0CE42944A7BA}"/>
+                <a16:creationId xmlns:a16="http://schemas.microsoft.com/office/drawing/2014/main" id="{5E04DB75-DCBE-040E-23D1-45D4ADC96523}"/>
               </a:ext>
             </a:extLst>
           </p:cNvPr>
@@ -1987,7 +1987,7 @@
           <p:cNvPr id="5" name="灯片编号占位符 4">
             <a:extLst>
               <a:ext uri="{FF2B5EF4-FFF2-40B4-BE49-F238E27FC236}">
-                <a16:creationId xmlns:a16="http://schemas.microsoft.com/office/drawing/2014/main" id="{9B50A14B-8BB8-52B3-2143-A3FDC179EC45}"/>
+                <a16:creationId xmlns:a16="http://schemas.microsoft.com/office/drawing/2014/main" id="{188FA53B-DD18-DB2C-85C3-D894D06A325B}"/>
               </a:ext>
             </a:extLst>
           </p:cNvPr>
@@ -2003,7 +2003,7 @@
           <a:bodyPr/>
           <a:lstStyle/>
           <a:p>
-            <a:fld id="{9B877424-A6C8-4BFC-AF91-ADBE8602734C}" type="slidenum">
+            <a:fld id="{16E1B09A-0D13-4F11-B6DB-1B5BCF7FD3AE}" type="slidenum">
               <a:rPr lang="zh-CN" altLang="en-US" smtClean="0"/>
               <a:t>‹#›</a:t>
             </a:fld>
@@ -2014,7 +2014,7 @@
     </p:spTree>
     <p:extLst>
       <p:ext uri="{BB962C8B-B14F-4D97-AF65-F5344CB8AC3E}">
-        <p14:creationId xmlns:p14="http://schemas.microsoft.com/office/powerpoint/2010/main" val="244597430"/>
+        <p14:creationId xmlns:p14="http://schemas.microsoft.com/office/powerpoint/2010/main" val="2110557644"/>
       </p:ext>
     </p:extLst>
   </p:cSld>
@@ -2046,7 +2046,7 @@
           <p:cNvPr id="2" name="日期占位符 1">
             <a:extLst>
               <a:ext uri="{FF2B5EF4-FFF2-40B4-BE49-F238E27FC236}">
-                <a16:creationId xmlns:a16="http://schemas.microsoft.com/office/drawing/2014/main" id="{44714C31-DB57-CA6C-9795-51119AE12781}"/>
+                <a16:creationId xmlns:a16="http://schemas.microsoft.com/office/drawing/2014/main" id="{797D208F-9B97-70EA-C755-D3B5705416B4}"/>
               </a:ext>
             </a:extLst>
           </p:cNvPr>
@@ -2062,7 +2062,7 @@
           <a:bodyPr/>
           <a:lstStyle/>
           <a:p>
-            <a:fld id="{5D62522F-C5BF-461A-9B58-EBFAEFB75CC1}" type="datetimeFigureOut">
+            <a:fld id="{734EA5CE-C82C-4EEF-B187-12AB229C9741}" type="datetimeFigureOut">
               <a:rPr lang="zh-CN" altLang="en-US" smtClean="0"/>
               <a:t>2024/3/10</a:t>
             </a:fld>
@@ -2075,7 +2075,7 @@
           <p:cNvPr id="3" name="页脚占位符 2">
             <a:extLst>
               <a:ext uri="{FF2B5EF4-FFF2-40B4-BE49-F238E27FC236}">
-                <a16:creationId xmlns:a16="http://schemas.microsoft.com/office/drawing/2014/main" id="{1D2489EC-A0FA-CE94-397C-1FEF2332F55A}"/>
+                <a16:creationId xmlns:a16="http://schemas.microsoft.com/office/drawing/2014/main" id="{34542FAA-635D-64E3-6AF5-892E369A019C}"/>
               </a:ext>
             </a:extLst>
           </p:cNvPr>
@@ -2100,7 +2100,7 @@
           <p:cNvPr id="4" name="灯片编号占位符 3">
             <a:extLst>
               <a:ext uri="{FF2B5EF4-FFF2-40B4-BE49-F238E27FC236}">
-                <a16:creationId xmlns:a16="http://schemas.microsoft.com/office/drawing/2014/main" id="{6F75E3A5-7B39-1E1E-472F-D966425C83D7}"/>
+                <a16:creationId xmlns:a16="http://schemas.microsoft.com/office/drawing/2014/main" id="{CA34A134-BAEE-8927-623D-1C4E202456C2}"/>
               </a:ext>
             </a:extLst>
           </p:cNvPr>
@@ -2116,7 +2116,7 @@
           <a:bodyPr/>
           <a:lstStyle/>
           <a:p>
-            <a:fld id="{9B877424-A6C8-4BFC-AF91-ADBE8602734C}" type="slidenum">
+            <a:fld id="{16E1B09A-0D13-4F11-B6DB-1B5BCF7FD3AE}" type="slidenum">
               <a:rPr lang="zh-CN" altLang="en-US" smtClean="0"/>
               <a:t>‹#›</a:t>
             </a:fld>
@@ -2127,7 +2127,7 @@
     </p:spTree>
     <p:extLst>
       <p:ext uri="{BB962C8B-B14F-4D97-AF65-F5344CB8AC3E}">
-        <p14:creationId xmlns:p14="http://schemas.microsoft.com/office/powerpoint/2010/main" val="1223317900"/>
+        <p14:creationId xmlns:p14="http://schemas.microsoft.com/office/powerpoint/2010/main" val="2730260274"/>
       </p:ext>
     </p:extLst>
   </p:cSld>
@@ -2159,7 +2159,7 @@
           <p:cNvPr id="2" name="标题 1">
             <a:extLst>
               <a:ext uri="{FF2B5EF4-FFF2-40B4-BE49-F238E27FC236}">
-                <a16:creationId xmlns:a16="http://schemas.microsoft.com/office/drawing/2014/main" id="{E225E267-5A4D-60E9-1E4B-822AE71DA281}"/>
+                <a16:creationId xmlns:a16="http://schemas.microsoft.com/office/drawing/2014/main" id="{097F603D-07B6-CAE3-D1B5-42D234D02176}"/>
               </a:ext>
             </a:extLst>
           </p:cNvPr>
@@ -2196,7 +2196,7 @@
           <p:cNvPr id="3" name="内容占位符 2">
             <a:extLst>
               <a:ext uri="{FF2B5EF4-FFF2-40B4-BE49-F238E27FC236}">
-                <a16:creationId xmlns:a16="http://schemas.microsoft.com/office/drawing/2014/main" id="{771C45AB-6D72-F74A-CDD3-EBB06C0B635C}"/>
+                <a16:creationId xmlns:a16="http://schemas.microsoft.com/office/drawing/2014/main" id="{24438AF8-80C4-930E-D41B-5DB0BD90FC91}"/>
               </a:ext>
             </a:extLst>
           </p:cNvPr>
@@ -2286,7 +2286,7 @@
           <p:cNvPr id="4" name="文本占位符 3">
             <a:extLst>
               <a:ext uri="{FF2B5EF4-FFF2-40B4-BE49-F238E27FC236}">
-                <a16:creationId xmlns:a16="http://schemas.microsoft.com/office/drawing/2014/main" id="{557329C9-B7F4-4310-352B-D395DE067A26}"/>
+                <a16:creationId xmlns:a16="http://schemas.microsoft.com/office/drawing/2014/main" id="{38CD873D-0E1A-59D6-6585-7F562A47FA5F}"/>
               </a:ext>
             </a:extLst>
           </p:cNvPr>
@@ -2357,7 +2357,7 @@
           <p:cNvPr id="5" name="日期占位符 4">
             <a:extLst>
               <a:ext uri="{FF2B5EF4-FFF2-40B4-BE49-F238E27FC236}">
-                <a16:creationId xmlns:a16="http://schemas.microsoft.com/office/drawing/2014/main" id="{62AC96B3-97BC-E0FA-40EB-9EBE3DF68391}"/>
+                <a16:creationId xmlns:a16="http://schemas.microsoft.com/office/drawing/2014/main" id="{6A161D6C-953E-4A96-6EFF-F2E4E113C3F6}"/>
               </a:ext>
             </a:extLst>
           </p:cNvPr>
@@ -2373,7 +2373,7 @@
           <a:bodyPr/>
           <a:lstStyle/>
           <a:p>
-            <a:fld id="{5D62522F-C5BF-461A-9B58-EBFAEFB75CC1}" type="datetimeFigureOut">
+            <a:fld id="{734EA5CE-C82C-4EEF-B187-12AB229C9741}" type="datetimeFigureOut">
               <a:rPr lang="zh-CN" altLang="en-US" smtClean="0"/>
               <a:t>2024/3/10</a:t>
             </a:fld>
@@ -2386,7 +2386,7 @@
           <p:cNvPr id="6" name="页脚占位符 5">
             <a:extLst>
               <a:ext uri="{FF2B5EF4-FFF2-40B4-BE49-F238E27FC236}">
-                <a16:creationId xmlns:a16="http://schemas.microsoft.com/office/drawing/2014/main" id="{1559F8C2-FE35-FB74-92E2-2D4AC6E1B038}"/>
+                <a16:creationId xmlns:a16="http://schemas.microsoft.com/office/drawing/2014/main" id="{93F8F6A0-E42A-6A27-BF29-C1A93DF9C4B9}"/>
               </a:ext>
             </a:extLst>
           </p:cNvPr>
@@ -2411,7 +2411,7 @@
           <p:cNvPr id="7" name="灯片编号占位符 6">
             <a:extLst>
               <a:ext uri="{FF2B5EF4-FFF2-40B4-BE49-F238E27FC236}">
-                <a16:creationId xmlns:a16="http://schemas.microsoft.com/office/drawing/2014/main" id="{8140F98F-38E0-7CCD-DCC1-7A44F6AD483C}"/>
+                <a16:creationId xmlns:a16="http://schemas.microsoft.com/office/drawing/2014/main" id="{47F8BC93-BCB5-A57E-8CCE-020898840AEB}"/>
               </a:ext>
             </a:extLst>
           </p:cNvPr>
@@ -2427,7 +2427,7 @@
           <a:bodyPr/>
           <a:lstStyle/>
           <a:p>
-            <a:fld id="{9B877424-A6C8-4BFC-AF91-ADBE8602734C}" type="slidenum">
+            <a:fld id="{16E1B09A-0D13-4F11-B6DB-1B5BCF7FD3AE}" type="slidenum">
               <a:rPr lang="zh-CN" altLang="en-US" smtClean="0"/>
               <a:t>‹#›</a:t>
             </a:fld>
@@ -2438,7 +2438,7 @@
     </p:spTree>
     <p:extLst>
       <p:ext uri="{BB962C8B-B14F-4D97-AF65-F5344CB8AC3E}">
-        <p14:creationId xmlns:p14="http://schemas.microsoft.com/office/powerpoint/2010/main" val="176733319"/>
+        <p14:creationId xmlns:p14="http://schemas.microsoft.com/office/powerpoint/2010/main" val="4061793664"/>
       </p:ext>
     </p:extLst>
   </p:cSld>
@@ -2470,7 +2470,7 @@
           <p:cNvPr id="2" name="标题 1">
             <a:extLst>
               <a:ext uri="{FF2B5EF4-FFF2-40B4-BE49-F238E27FC236}">
-                <a16:creationId xmlns:a16="http://schemas.microsoft.com/office/drawing/2014/main" id="{592E34FD-9293-4F68-ECE5-A70985EF3050}"/>
+                <a16:creationId xmlns:a16="http://schemas.microsoft.com/office/drawing/2014/main" id="{A38BFCE4-42B7-6C66-44A1-9D3FE23C7DD1}"/>
               </a:ext>
             </a:extLst>
           </p:cNvPr>
@@ -2507,7 +2507,7 @@
           <p:cNvPr id="3" name="图片占位符 2">
             <a:extLst>
               <a:ext uri="{FF2B5EF4-FFF2-40B4-BE49-F238E27FC236}">
-                <a16:creationId xmlns:a16="http://schemas.microsoft.com/office/drawing/2014/main" id="{DD512B11-5794-F51B-6043-1A25F6E06F8A}"/>
+                <a16:creationId xmlns:a16="http://schemas.microsoft.com/office/drawing/2014/main" id="{CF7834F3-899C-D495-E73C-1F397F41F38E}"/>
               </a:ext>
             </a:extLst>
           </p:cNvPr>
@@ -2574,7 +2574,7 @@
           <p:cNvPr id="4" name="文本占位符 3">
             <a:extLst>
               <a:ext uri="{FF2B5EF4-FFF2-40B4-BE49-F238E27FC236}">
-                <a16:creationId xmlns:a16="http://schemas.microsoft.com/office/drawing/2014/main" id="{73533211-73C7-FA24-A7A2-01DB23FA3F63}"/>
+                <a16:creationId xmlns:a16="http://schemas.microsoft.com/office/drawing/2014/main" id="{785682D1-59C3-9EF3-5400-EC8EBCB6EDBE}"/>
               </a:ext>
             </a:extLst>
           </p:cNvPr>
@@ -2645,7 +2645,7 @@
           <p:cNvPr id="5" name="日期占位符 4">
             <a:extLst>
               <a:ext uri="{FF2B5EF4-FFF2-40B4-BE49-F238E27FC236}">
-                <a16:creationId xmlns:a16="http://schemas.microsoft.com/office/drawing/2014/main" id="{E3C36F31-7E53-2884-5C23-C32FD08B951E}"/>
+                <a16:creationId xmlns:a16="http://schemas.microsoft.com/office/drawing/2014/main" id="{1205838E-5D5E-2371-7802-A15B3C4C99D7}"/>
               </a:ext>
             </a:extLst>
           </p:cNvPr>
@@ -2661,7 +2661,7 @@
           <a:bodyPr/>
           <a:lstStyle/>
           <a:p>
-            <a:fld id="{5D62522F-C5BF-461A-9B58-EBFAEFB75CC1}" type="datetimeFigureOut">
+            <a:fld id="{734EA5CE-C82C-4EEF-B187-12AB229C9741}" type="datetimeFigureOut">
               <a:rPr lang="zh-CN" altLang="en-US" smtClean="0"/>
               <a:t>2024/3/10</a:t>
             </a:fld>
@@ -2674,7 +2674,7 @@
           <p:cNvPr id="6" name="页脚占位符 5">
             <a:extLst>
               <a:ext uri="{FF2B5EF4-FFF2-40B4-BE49-F238E27FC236}">
-                <a16:creationId xmlns:a16="http://schemas.microsoft.com/office/drawing/2014/main" id="{D8C5E076-977F-83A8-6991-E9D8CE69C8D8}"/>
+                <a16:creationId xmlns:a16="http://schemas.microsoft.com/office/drawing/2014/main" id="{02003160-A828-EEFB-E1FE-6785C3817076}"/>
               </a:ext>
             </a:extLst>
           </p:cNvPr>
@@ -2699,7 +2699,7 @@
           <p:cNvPr id="7" name="灯片编号占位符 6">
             <a:extLst>
               <a:ext uri="{FF2B5EF4-FFF2-40B4-BE49-F238E27FC236}">
-                <a16:creationId xmlns:a16="http://schemas.microsoft.com/office/drawing/2014/main" id="{3A71B7F3-B846-D06C-99B4-733F485B2922}"/>
+                <a16:creationId xmlns:a16="http://schemas.microsoft.com/office/drawing/2014/main" id="{304D2F8B-DD9B-3B7C-FB27-7F31E13E18A4}"/>
               </a:ext>
             </a:extLst>
           </p:cNvPr>
@@ -2715,7 +2715,7 @@
           <a:bodyPr/>
           <a:lstStyle/>
           <a:p>
-            <a:fld id="{9B877424-A6C8-4BFC-AF91-ADBE8602734C}" type="slidenum">
+            <a:fld id="{16E1B09A-0D13-4F11-B6DB-1B5BCF7FD3AE}" type="slidenum">
               <a:rPr lang="zh-CN" altLang="en-US" smtClean="0"/>
               <a:t>‹#›</a:t>
             </a:fld>
@@ -2726,7 +2726,7 @@
     </p:spTree>
     <p:extLst>
       <p:ext uri="{BB962C8B-B14F-4D97-AF65-F5344CB8AC3E}">
-        <p14:creationId xmlns:p14="http://schemas.microsoft.com/office/powerpoint/2010/main" val="668807283"/>
+        <p14:creationId xmlns:p14="http://schemas.microsoft.com/office/powerpoint/2010/main" val="1579416826"/>
       </p:ext>
     </p:extLst>
   </p:cSld>
@@ -2763,7 +2763,7 @@
           <p:cNvPr id="2" name="标题占位符 1">
             <a:extLst>
               <a:ext uri="{FF2B5EF4-FFF2-40B4-BE49-F238E27FC236}">
-                <a16:creationId xmlns:a16="http://schemas.microsoft.com/office/drawing/2014/main" id="{141F5BAC-4F2B-7EB3-CDE1-640E014EC728}"/>
+                <a16:creationId xmlns:a16="http://schemas.microsoft.com/office/drawing/2014/main" id="{928F4751-3107-3CB8-975A-78B692F29409}"/>
               </a:ext>
             </a:extLst>
           </p:cNvPr>
@@ -2801,7 +2801,7 @@
           <p:cNvPr id="3" name="文本占位符 2">
             <a:extLst>
               <a:ext uri="{FF2B5EF4-FFF2-40B4-BE49-F238E27FC236}">
-                <a16:creationId xmlns:a16="http://schemas.microsoft.com/office/drawing/2014/main" id="{74348C6C-1919-158F-0C8B-7656463C0B3D}"/>
+                <a16:creationId xmlns:a16="http://schemas.microsoft.com/office/drawing/2014/main" id="{947E3D71-E5D8-2706-6A12-1025C1646D3A}"/>
               </a:ext>
             </a:extLst>
           </p:cNvPr>
@@ -2868,7 +2868,7 @@
           <p:cNvPr id="4" name="日期占位符 3">
             <a:extLst>
               <a:ext uri="{FF2B5EF4-FFF2-40B4-BE49-F238E27FC236}">
-                <a16:creationId xmlns:a16="http://schemas.microsoft.com/office/drawing/2014/main" id="{C4123BE1-0CD5-5B90-A1DC-647B13D90005}"/>
+                <a16:creationId xmlns:a16="http://schemas.microsoft.com/office/drawing/2014/main" id="{12A6C8EF-0B7C-211D-1667-F297CC91BD44}"/>
               </a:ext>
             </a:extLst>
           </p:cNvPr>
@@ -2902,7 +2902,7 @@
             </a:lvl1pPr>
           </a:lstStyle>
           <a:p>
-            <a:fld id="{5D62522F-C5BF-461A-9B58-EBFAEFB75CC1}" type="datetimeFigureOut">
+            <a:fld id="{734EA5CE-C82C-4EEF-B187-12AB229C9741}" type="datetimeFigureOut">
               <a:rPr lang="zh-CN" altLang="en-US" smtClean="0"/>
               <a:t>2024/3/10</a:t>
             </a:fld>
@@ -2915,7 +2915,7 @@
           <p:cNvPr id="5" name="页脚占位符 4">
             <a:extLst>
               <a:ext uri="{FF2B5EF4-FFF2-40B4-BE49-F238E27FC236}">
-                <a16:creationId xmlns:a16="http://schemas.microsoft.com/office/drawing/2014/main" id="{1035FF74-2050-FB82-5B96-2F9D1555D46C}"/>
+                <a16:creationId xmlns:a16="http://schemas.microsoft.com/office/drawing/2014/main" id="{FCA01307-4C06-62DD-F155-C72A6D59D795}"/>
               </a:ext>
             </a:extLst>
           </p:cNvPr>
@@ -2958,7 +2958,7 @@
           <p:cNvPr id="6" name="灯片编号占位符 5">
             <a:extLst>
               <a:ext uri="{FF2B5EF4-FFF2-40B4-BE49-F238E27FC236}">
-                <a16:creationId xmlns:a16="http://schemas.microsoft.com/office/drawing/2014/main" id="{E0E1A528-343F-AE7A-6F96-CD5E56DF6D28}"/>
+                <a16:creationId xmlns:a16="http://schemas.microsoft.com/office/drawing/2014/main" id="{D5868F4C-47F5-01EA-792B-33B9C361AB6A}"/>
               </a:ext>
             </a:extLst>
           </p:cNvPr>
@@ -2992,7 +2992,7 @@
             </a:lvl1pPr>
           </a:lstStyle>
           <a:p>
-            <a:fld id="{9B877424-A6C8-4BFC-AF91-ADBE8602734C}" type="slidenum">
+            <a:fld id="{16E1B09A-0D13-4F11-B6DB-1B5BCF7FD3AE}" type="slidenum">
               <a:rPr lang="zh-CN" altLang="en-US" smtClean="0"/>
               <a:t>‹#›</a:t>
             </a:fld>
@@ -3003,7 +3003,7 @@
     </p:spTree>
     <p:extLst>
       <p:ext uri="{BB962C8B-B14F-4D97-AF65-F5344CB8AC3E}">
-        <p14:creationId xmlns:p14="http://schemas.microsoft.com/office/powerpoint/2010/main" val="2323575037"/>
+        <p14:creationId xmlns:p14="http://schemas.microsoft.com/office/powerpoint/2010/main" val="3169383851"/>
       </p:ext>
     </p:extLst>
   </p:cSld>
